--- a/vignettes/decision_tree.pptx
+++ b/vignettes/decision_tree.pptx
@@ -127,7 +127,7 @@
 <file path=ppt/revisionInfo.xml><?xml version="1.0" encoding="utf-8"?>
 <p1510:revInfo xmlns:a="http://schemas.openxmlformats.org/drawingml/2006/main" xmlns:r="http://schemas.openxmlformats.org/officeDocument/2006/relationships" xmlns:p1510="http://schemas.microsoft.com/office/powerpoint/2015/10/main">
   <p1510:revLst>
-    <p1510:client id="{A718DE39-B585-FE45-9424-AE0F75B132A7}" v="13" dt="2023-05-08T13:31:19.329"/>
+    <p1510:client id="{A718DE39-B585-FE45-9424-AE0F75B132A7}" v="18" dt="2023-05-08T13:55:32.666"/>
   </p1510:revLst>
 </p1510:revInfo>
 </file>
@@ -4919,8 +4919,8 @@
         </p:nvSpPr>
         <p:spPr>
           <a:xfrm>
-            <a:off x="6884338" y="5064327"/>
-            <a:ext cx="1024970" cy="280111"/>
+            <a:off x="7507033" y="5064328"/>
+            <a:ext cx="1634563" cy="276999"/>
           </a:xfrm>
           <a:prstGeom prst="rect">
             <a:avLst/>
@@ -5631,6 +5631,199 @@
           </a:fontRef>
         </p:style>
       </p:cxnSp>
+      <p:sp>
+        <p:nvSpPr>
+          <p:cNvPr id="91" name="Textfeld 90">
+            <a:extLst>
+              <a:ext uri="{FF2B5EF4-FFF2-40B4-BE49-F238E27FC236}">
+                <a16:creationId xmlns:a16="http://schemas.microsoft.com/office/drawing/2014/main" id="{CA845AB3-04D9-1F49-BCF4-C436B10CBCD7}"/>
+              </a:ext>
+            </a:extLst>
+          </p:cNvPr>
+          <p:cNvSpPr txBox="1"/>
+          <p:nvPr/>
+        </p:nvSpPr>
+        <p:spPr>
+          <a:xfrm>
+            <a:off x="9251185" y="6091124"/>
+            <a:ext cx="1080000" cy="276999"/>
+          </a:xfrm>
+          <a:prstGeom prst="rect">
+            <a:avLst/>
+          </a:prstGeom>
+          <a:noFill/>
+          <a:ln w="12700">
+            <a:solidFill>
+              <a:schemeClr val="accent1">
+                <a:lumMod val="40000"/>
+                <a:lumOff val="60000"/>
+              </a:schemeClr>
+            </a:solidFill>
+          </a:ln>
+        </p:spPr>
+        <p:txBody>
+          <a:bodyPr wrap="square">
+            <a:spAutoFit/>
+          </a:bodyPr>
+          <a:lstStyle/>
+          <a:p>
+            <a:pPr algn="ctr"/>
+            <a:r>
+              <a:rPr lang="de-DE" sz="1200" dirty="0" err="1"/>
+              <a:t>TukeyHSD</a:t>
+            </a:r>
+            <a:r>
+              <a:rPr lang="de-DE" sz="1200" dirty="0"/>
+              <a:t>()</a:t>
+            </a:r>
+          </a:p>
+        </p:txBody>
+      </p:sp>
+      <p:sp>
+        <p:nvSpPr>
+          <p:cNvPr id="92" name="Textfeld 91">
+            <a:extLst>
+              <a:ext uri="{FF2B5EF4-FFF2-40B4-BE49-F238E27FC236}">
+                <a16:creationId xmlns:a16="http://schemas.microsoft.com/office/drawing/2014/main" id="{E7B47004-76A2-C34B-8B17-4B35C6438D10}"/>
+              </a:ext>
+            </a:extLst>
+          </p:cNvPr>
+          <p:cNvSpPr txBox="1"/>
+          <p:nvPr/>
+        </p:nvSpPr>
+        <p:spPr>
+          <a:xfrm>
+            <a:off x="6095999" y="6091124"/>
+            <a:ext cx="1301447" cy="276999"/>
+          </a:xfrm>
+          <a:prstGeom prst="rect">
+            <a:avLst/>
+          </a:prstGeom>
+          <a:noFill/>
+          <a:ln w="12700">
+            <a:solidFill>
+              <a:schemeClr val="accent1">
+                <a:lumMod val="40000"/>
+                <a:lumOff val="60000"/>
+              </a:schemeClr>
+            </a:solidFill>
+          </a:ln>
+        </p:spPr>
+        <p:txBody>
+          <a:bodyPr wrap="square">
+            <a:spAutoFit/>
+          </a:bodyPr>
+          <a:lstStyle/>
+          <a:p>
+            <a:pPr algn="ctr"/>
+            <a:r>
+              <a:rPr lang="de-DE" sz="1200" dirty="0"/>
+              <a:t>Post-hoc </a:t>
+            </a:r>
+            <a:r>
+              <a:rPr lang="de-DE" sz="1200" dirty="0" err="1"/>
+              <a:t>analysis</a:t>
+            </a:r>
+            <a:endParaRPr lang="de-DE" sz="1200" dirty="0"/>
+          </a:p>
+        </p:txBody>
+      </p:sp>
+      <p:sp>
+        <p:nvSpPr>
+          <p:cNvPr id="93" name="Textfeld 92">
+            <a:extLst>
+              <a:ext uri="{FF2B5EF4-FFF2-40B4-BE49-F238E27FC236}">
+                <a16:creationId xmlns:a16="http://schemas.microsoft.com/office/drawing/2014/main" id="{487C5E26-0FCA-9D43-9804-1F43DC2563A0}"/>
+              </a:ext>
+            </a:extLst>
+          </p:cNvPr>
+          <p:cNvSpPr txBox="1"/>
+          <p:nvPr/>
+        </p:nvSpPr>
+        <p:spPr>
+          <a:xfrm>
+            <a:off x="10550361" y="6088389"/>
+            <a:ext cx="1080000" cy="276999"/>
+          </a:xfrm>
+          <a:prstGeom prst="rect">
+            <a:avLst/>
+          </a:prstGeom>
+          <a:noFill/>
+          <a:ln w="12700">
+            <a:solidFill>
+              <a:schemeClr val="accent1">
+                <a:lumMod val="40000"/>
+                <a:lumOff val="60000"/>
+              </a:schemeClr>
+            </a:solidFill>
+          </a:ln>
+        </p:spPr>
+        <p:txBody>
+          <a:bodyPr wrap="square">
+            <a:spAutoFit/>
+          </a:bodyPr>
+          <a:lstStyle/>
+          <a:p>
+            <a:pPr algn="ctr"/>
+            <a:r>
+              <a:rPr lang="de-DE" sz="1200" dirty="0" err="1"/>
+              <a:t>TukeyHSD</a:t>
+            </a:r>
+            <a:r>
+              <a:rPr lang="de-DE" sz="1200" dirty="0"/>
+              <a:t>()</a:t>
+            </a:r>
+          </a:p>
+        </p:txBody>
+      </p:sp>
+      <p:sp>
+        <p:nvSpPr>
+          <p:cNvPr id="94" name="Textfeld 93">
+            <a:extLst>
+              <a:ext uri="{FF2B5EF4-FFF2-40B4-BE49-F238E27FC236}">
+                <a16:creationId xmlns:a16="http://schemas.microsoft.com/office/drawing/2014/main" id="{0A82FAB2-00BE-5946-BC39-F6CE2D795AEE}"/>
+              </a:ext>
+            </a:extLst>
+          </p:cNvPr>
+          <p:cNvSpPr txBox="1"/>
+          <p:nvPr/>
+        </p:nvSpPr>
+        <p:spPr>
+          <a:xfrm>
+            <a:off x="7507034" y="6108041"/>
+            <a:ext cx="1634563" cy="276999"/>
+          </a:xfrm>
+          <a:prstGeom prst="rect">
+            <a:avLst/>
+          </a:prstGeom>
+          <a:noFill/>
+          <a:ln w="12700">
+            <a:solidFill>
+              <a:schemeClr val="accent1">
+                <a:lumMod val="40000"/>
+                <a:lumOff val="60000"/>
+              </a:schemeClr>
+            </a:solidFill>
+          </a:ln>
+        </p:spPr>
+        <p:txBody>
+          <a:bodyPr wrap="square">
+            <a:spAutoFit/>
+          </a:bodyPr>
+          <a:lstStyle/>
+          <a:p>
+            <a:pPr algn="ctr"/>
+            <a:r>
+              <a:rPr lang="de-DE" sz="1200" dirty="0" err="1"/>
+              <a:t>pairwise.wilcox.test</a:t>
+            </a:r>
+            <a:r>
+              <a:rPr lang="de-DE" sz="1200" dirty="0"/>
+              <a:t>()</a:t>
+            </a:r>
+          </a:p>
+        </p:txBody>
+      </p:sp>
     </p:spTree>
     <p:extLst>
       <p:ext uri="{BB962C8B-B14F-4D97-AF65-F5344CB8AC3E}">
